--- a/DBback/操作说明.pptx
+++ b/DBback/操作说明.pptx
@@ -3396,14 +3396,7 @@
                 <a:latin typeface="微软雅黑" pitchFamily="34" charset="-122"/>
                 <a:ea typeface="微软雅黑" pitchFamily="34" charset="-122"/>
               </a:rPr>
-              <a:t>购</a:t>
-            </a:r>
-            <a:r>
-              <a:rPr lang="zh-CN" altLang="en-US" sz="3200" dirty="0" smtClean="0">
-                <a:latin typeface="微软雅黑" pitchFamily="34" charset="-122"/>
-                <a:ea typeface="微软雅黑" pitchFamily="34" charset="-122"/>
-              </a:rPr>
-              <a:t>买商品</a:t>
+              <a:t>购买商品</a:t>
             </a:r>
             <a:endParaRPr lang="en-US" altLang="zh-CN" sz="3200" dirty="0" smtClean="0">
               <a:latin typeface="微软雅黑" pitchFamily="34" charset="-122"/>
@@ -3443,14 +3436,7 @@
                 <a:latin typeface="微软雅黑" pitchFamily="34" charset="-122"/>
                 <a:ea typeface="微软雅黑" pitchFamily="34" charset="-122"/>
               </a:rPr>
-              <a:t>公益捐</a:t>
-            </a:r>
-            <a:r>
-              <a:rPr lang="zh-CN" altLang="en-US" sz="3200" dirty="0" smtClean="0">
-                <a:latin typeface="微软雅黑" pitchFamily="34" charset="-122"/>
-                <a:ea typeface="微软雅黑" pitchFamily="34" charset="-122"/>
-              </a:rPr>
-              <a:t>赠</a:t>
+              <a:t>公益捐赠</a:t>
             </a:r>
             <a:endParaRPr lang="en-US" altLang="zh-CN" sz="3200" dirty="0" smtClean="0">
               <a:latin typeface="微软雅黑" pitchFamily="34" charset="-122"/>
@@ -3722,14 +3708,26 @@
                 <a:latin typeface="微软雅黑" pitchFamily="34" charset="-122"/>
                 <a:ea typeface="微软雅黑" pitchFamily="34" charset="-122"/>
               </a:rPr>
-              <a:t>进</a:t>
-            </a:r>
+              <a:t>进行登录。</a:t>
+            </a:r>
+            <a:endParaRPr lang="en-US" altLang="zh-CN" dirty="0" smtClean="0">
+              <a:latin typeface="微软雅黑" pitchFamily="34" charset="-122"/>
+              <a:ea typeface="微软雅黑" pitchFamily="34" charset="-122"/>
+            </a:endParaRPr>
+          </a:p>
+          <a:p>
+            <a:endParaRPr lang="en-US" altLang="zh-CN" dirty="0" smtClean="0">
+              <a:latin typeface="微软雅黑" pitchFamily="34" charset="-122"/>
+              <a:ea typeface="微软雅黑" pitchFamily="34" charset="-122"/>
+            </a:endParaRPr>
+          </a:p>
+          <a:p>
             <a:r>
               <a:rPr lang="zh-CN" altLang="en-US" dirty="0" smtClean="0">
                 <a:latin typeface="微软雅黑" pitchFamily="34" charset="-122"/>
                 <a:ea typeface="微软雅黑" pitchFamily="34" charset="-122"/>
               </a:rPr>
-              <a:t>行登录。</a:t>
+              <a:t>没有账号，可点击</a:t>
             </a:r>
             <a:endParaRPr lang="en-US" altLang="zh-CN" dirty="0" smtClean="0">
               <a:latin typeface="微软雅黑" pitchFamily="34" charset="-122"/>
@@ -3737,38 +3735,12 @@
             </a:endParaRPr>
           </a:p>
           <a:p>
-            <a:endParaRPr lang="en-US" altLang="zh-CN" dirty="0" smtClean="0">
-              <a:latin typeface="微软雅黑" pitchFamily="34" charset="-122"/>
-              <a:ea typeface="微软雅黑" pitchFamily="34" charset="-122"/>
-            </a:endParaRPr>
-          </a:p>
-          <a:p>
             <a:r>
               <a:rPr lang="zh-CN" altLang="en-US" dirty="0" smtClean="0">
                 <a:latin typeface="微软雅黑" pitchFamily="34" charset="-122"/>
                 <a:ea typeface="微软雅黑" pitchFamily="34" charset="-122"/>
               </a:rPr>
-              <a:t>没有账号，可点击</a:t>
-            </a:r>
-            <a:endParaRPr lang="en-US" altLang="zh-CN" dirty="0" smtClean="0">
-              <a:latin typeface="微软雅黑" pitchFamily="34" charset="-122"/>
-              <a:ea typeface="微软雅黑" pitchFamily="34" charset="-122"/>
-            </a:endParaRPr>
-          </a:p>
-          <a:p>
-            <a:r>
-              <a:rPr lang="zh-CN" altLang="en-US" dirty="0" smtClean="0">
-                <a:latin typeface="微软雅黑" pitchFamily="34" charset="-122"/>
-                <a:ea typeface="微软雅黑" pitchFamily="34" charset="-122"/>
-              </a:rPr>
-              <a:t>“</a:t>
-            </a:r>
-            <a:r>
-              <a:rPr lang="zh-CN" altLang="en-US" dirty="0" smtClean="0">
-                <a:latin typeface="微软雅黑" pitchFamily="34" charset="-122"/>
-                <a:ea typeface="微软雅黑" pitchFamily="34" charset="-122"/>
-              </a:rPr>
-              <a:t>注册”按钮，注</a:t>
+              <a:t>“注册”按钮，注</a:t>
             </a:r>
             <a:endParaRPr lang="en-US" altLang="zh-CN" dirty="0" smtClean="0">
               <a:latin typeface="微软雅黑" pitchFamily="34" charset="-122"/>
@@ -3911,14 +3883,7 @@
                 <a:latin typeface="微软雅黑" pitchFamily="34" charset="-122"/>
                 <a:ea typeface="微软雅黑" pitchFamily="34" charset="-122"/>
               </a:rPr>
-              <a:t>在</a:t>
-            </a:r>
-            <a:r>
-              <a:rPr lang="zh-CN" altLang="en-US" sz="3200" dirty="0" smtClean="0">
-                <a:latin typeface="微软雅黑" pitchFamily="34" charset="-122"/>
-                <a:ea typeface="微软雅黑" pitchFamily="34" charset="-122"/>
-              </a:rPr>
-              <a:t>未登录状态下进行交易，页面都会跳转到该</a:t>
+              <a:t>在未登录状态下进行交易，页面都会跳转到该</a:t>
             </a:r>
             <a:endParaRPr lang="en-US" altLang="zh-CN" sz="3200" dirty="0" smtClean="0">
               <a:latin typeface="微软雅黑" pitchFamily="34" charset="-122"/>
@@ -4478,14 +4443,7 @@
                 <a:latin typeface="微软雅黑" pitchFamily="34" charset="-122"/>
                 <a:ea typeface="微软雅黑" pitchFamily="34" charset="-122"/>
               </a:rPr>
-              <a:t>跳</a:t>
-            </a:r>
-            <a:r>
-              <a:rPr lang="zh-CN" altLang="en-US" sz="3200" dirty="0" smtClean="0">
-                <a:latin typeface="微软雅黑" pitchFamily="34" charset="-122"/>
-                <a:ea typeface="微软雅黑" pitchFamily="34" charset="-122"/>
-              </a:rPr>
-              <a:t>转到购物车页面：</a:t>
+              <a:t>跳转到购物车页面：</a:t>
             </a:r>
             <a:endParaRPr lang="en-US" altLang="zh-CN" sz="3200" dirty="0" smtClean="0">
               <a:latin typeface="微软雅黑" pitchFamily="34" charset="-122"/>
@@ -4991,14 +4949,7 @@
                 <a:latin typeface="微软雅黑" pitchFamily="34" charset="-122"/>
                 <a:ea typeface="微软雅黑" pitchFamily="34" charset="-122"/>
               </a:rPr>
-              <a:t>显</a:t>
-            </a:r>
-            <a:r>
-              <a:rPr lang="zh-CN" altLang="en-US" sz="3200" dirty="0" smtClean="0">
-                <a:latin typeface="微软雅黑" pitchFamily="34" charset="-122"/>
-                <a:ea typeface="微软雅黑" pitchFamily="34" charset="-122"/>
-              </a:rPr>
-              <a:t>示出来：</a:t>
+              <a:t>显示出来：</a:t>
             </a:r>
             <a:endParaRPr lang="en-US" altLang="zh-CN" sz="3200" dirty="0" smtClean="0">
               <a:latin typeface="微软雅黑" pitchFamily="34" charset="-122"/>
@@ -5182,14 +5133,7 @@
                 <a:latin typeface="微软雅黑" pitchFamily="34" charset="-122"/>
                 <a:ea typeface="微软雅黑" pitchFamily="34" charset="-122"/>
               </a:rPr>
-              <a:t>分</a:t>
-            </a:r>
-            <a:r>
-              <a:rPr lang="zh-CN" altLang="en-US" sz="3200" dirty="0" smtClean="0">
-                <a:latin typeface="微软雅黑" pitchFamily="34" charset="-122"/>
-                <a:ea typeface="微软雅黑" pitchFamily="34" charset="-122"/>
-              </a:rPr>
-              <a:t>类与搜索</a:t>
+              <a:t>分类与搜索</a:t>
             </a:r>
             <a:endParaRPr lang="en-US" altLang="zh-CN" sz="3200" dirty="0" smtClean="0">
               <a:latin typeface="微软雅黑" pitchFamily="34" charset="-122"/>
@@ -6972,14 +6916,7 @@
                 <a:latin typeface="微软雅黑" pitchFamily="34" charset="-122"/>
                 <a:ea typeface="微软雅黑" pitchFamily="34" charset="-122"/>
               </a:rPr>
-              <a:t>分类与搜</a:t>
-            </a:r>
-            <a:r>
-              <a:rPr lang="zh-CN" altLang="en-US" sz="4800" b="1" dirty="0" smtClean="0">
-                <a:latin typeface="微软雅黑" pitchFamily="34" charset="-122"/>
-                <a:ea typeface="微软雅黑" pitchFamily="34" charset="-122"/>
-              </a:rPr>
-              <a:t>索</a:t>
+              <a:t>分类与搜索</a:t>
             </a:r>
             <a:endParaRPr lang="zh-CN" altLang="en-US" sz="4800" b="1" dirty="0">
               <a:latin typeface="微软雅黑" pitchFamily="34" charset="-122"/>
@@ -7022,14 +6959,7 @@
                 <a:latin typeface="微软雅黑" pitchFamily="34" charset="-122"/>
                 <a:ea typeface="微软雅黑" pitchFamily="34" charset="-122"/>
               </a:rPr>
-              <a:t>分</a:t>
-            </a:r>
-            <a:r>
-              <a:rPr lang="zh-CN" altLang="en-US" sz="3200" dirty="0" smtClean="0">
-                <a:latin typeface="微软雅黑" pitchFamily="34" charset="-122"/>
-                <a:ea typeface="微软雅黑" pitchFamily="34" charset="-122"/>
-              </a:rPr>
-              <a:t>类页面</a:t>
+              <a:t>分类页面</a:t>
             </a:r>
             <a:endParaRPr lang="en-US" altLang="zh-CN" sz="3200" dirty="0" smtClean="0">
               <a:latin typeface="微软雅黑" pitchFamily="34" charset="-122"/>
@@ -7049,21 +6979,7 @@
                 <a:latin typeface="微软雅黑" pitchFamily="34" charset="-122"/>
                 <a:ea typeface="微软雅黑" pitchFamily="34" charset="-122"/>
               </a:rPr>
-              <a:t>搜索</a:t>
-            </a:r>
-            <a:r>
-              <a:rPr lang="zh-CN" altLang="en-US" sz="3200" dirty="0" smtClean="0">
-                <a:latin typeface="微软雅黑" pitchFamily="34" charset="-122"/>
-                <a:ea typeface="微软雅黑" pitchFamily="34" charset="-122"/>
-              </a:rPr>
-              <a:t>页</a:t>
-            </a:r>
-            <a:r>
-              <a:rPr lang="zh-CN" altLang="en-US" sz="3200" dirty="0" smtClean="0">
-                <a:latin typeface="微软雅黑" pitchFamily="34" charset="-122"/>
-                <a:ea typeface="微软雅黑" pitchFamily="34" charset="-122"/>
-              </a:rPr>
-              <a:t>面</a:t>
+              <a:t>搜索页面</a:t>
             </a:r>
             <a:endParaRPr lang="en-US" altLang="zh-CN" sz="3200" dirty="0" smtClean="0">
               <a:latin typeface="微软雅黑" pitchFamily="34" charset="-122"/>
@@ -7083,14 +6999,7 @@
                 <a:latin typeface="微软雅黑" pitchFamily="34" charset="-122"/>
                 <a:ea typeface="微软雅黑" pitchFamily="34" charset="-122"/>
               </a:rPr>
-              <a:t>商</a:t>
-            </a:r>
-            <a:r>
-              <a:rPr lang="zh-CN" altLang="en-US" sz="3200" dirty="0" smtClean="0">
-                <a:latin typeface="微软雅黑" pitchFamily="34" charset="-122"/>
-                <a:ea typeface="微软雅黑" pitchFamily="34" charset="-122"/>
-              </a:rPr>
-              <a:t>品详情</a:t>
+              <a:t>商品详情</a:t>
             </a:r>
             <a:endParaRPr lang="en-US" altLang="zh-CN" sz="3200" dirty="0" smtClean="0">
               <a:latin typeface="微软雅黑" pitchFamily="34" charset="-122"/>
@@ -9126,14 +9035,7 @@
                 <a:latin typeface="微软雅黑" pitchFamily="34" charset="-122"/>
                 <a:ea typeface="微软雅黑" pitchFamily="34" charset="-122"/>
               </a:rPr>
-              <a:t>点击网站首页的</a:t>
-            </a:r>
-            <a:r>
-              <a:rPr lang="zh-CN" altLang="en-US" sz="3200" dirty="0" smtClean="0">
-                <a:latin typeface="微软雅黑" pitchFamily="34" charset="-122"/>
-                <a:ea typeface="微软雅黑" pitchFamily="34" charset="-122"/>
-              </a:rPr>
-              <a:t>“捐赠记录”可查询捐赠记录：</a:t>
+              <a:t>点击网站首页的“捐赠记录”可查询捐赠记录：</a:t>
             </a:r>
             <a:endParaRPr lang="en-US" altLang="zh-CN" sz="3200" dirty="0" smtClean="0">
               <a:latin typeface="微软雅黑" pitchFamily="34" charset="-122"/>
@@ -9352,6 +9254,38 @@
           </a:p>
         </p:txBody>
       </p:sp>
+      <p:pic>
+        <p:nvPicPr>
+          <p:cNvPr id="1026" name="Picture 2"/>
+          <p:cNvPicPr>
+            <a:picLocks noChangeAspect="1" noChangeArrowheads="1"/>
+          </p:cNvPicPr>
+          <p:nvPr/>
+        </p:nvPicPr>
+        <p:blipFill>
+          <a:blip r:embed="rId2" cstate="print"/>
+          <a:srcRect/>
+          <a:stretch>
+            <a:fillRect/>
+          </a:stretch>
+        </p:blipFill>
+        <p:spPr bwMode="auto">
+          <a:xfrm>
+            <a:off x="1259632" y="2204864"/>
+            <a:ext cx="6676502" cy="4320480"/>
+          </a:xfrm>
+          <a:prstGeom prst="rect">
+            <a:avLst/>
+          </a:prstGeom>
+          <a:noFill/>
+          <a:ln w="9525">
+            <a:noFill/>
+            <a:miter lim="800000"/>
+            <a:headEnd/>
+            <a:tailEnd/>
+          </a:ln>
+        </p:spPr>
+      </p:pic>
     </p:spTree>
   </p:cSld>
   <p:clrMapOvr>
@@ -9497,14 +9431,7 @@
                 <a:latin typeface="微软雅黑" pitchFamily="34" charset="-122"/>
                 <a:ea typeface="微软雅黑" pitchFamily="34" charset="-122"/>
               </a:rPr>
-              <a:t>分类</a:t>
-            </a:r>
-            <a:r>
-              <a:rPr lang="zh-CN" altLang="en-US" sz="4800" b="1" dirty="0" smtClean="0">
-                <a:latin typeface="微软雅黑" pitchFamily="34" charset="-122"/>
-                <a:ea typeface="微软雅黑" pitchFamily="34" charset="-122"/>
-              </a:rPr>
-              <a:t>页面</a:t>
+              <a:t>分类页面</a:t>
             </a:r>
             <a:endParaRPr lang="zh-CN" altLang="en-US" sz="4800" b="1" dirty="0">
               <a:latin typeface="微软雅黑" pitchFamily="34" charset="-122"/>
@@ -9589,14 +9516,7 @@
                 <a:latin typeface="微软雅黑" pitchFamily="34" charset="-122"/>
                 <a:ea typeface="微软雅黑" pitchFamily="34" charset="-122"/>
               </a:rPr>
-              <a:t>点</a:t>
-            </a:r>
-            <a:r>
-              <a:rPr lang="zh-CN" altLang="en-US" sz="3200" dirty="0" smtClean="0">
-                <a:latin typeface="微软雅黑" pitchFamily="34" charset="-122"/>
-                <a:ea typeface="微软雅黑" pitchFamily="34" charset="-122"/>
-              </a:rPr>
-              <a:t>击任一分类，可浏览该分类的所有商品：</a:t>
+              <a:t>点击任一分类，可浏览该分类的所有商品：</a:t>
             </a:r>
             <a:endParaRPr lang="en-US" altLang="zh-CN" sz="3200" dirty="0" smtClean="0">
               <a:latin typeface="微软雅黑" pitchFamily="34" charset="-122"/>
@@ -9769,14 +9689,7 @@
                 <a:latin typeface="微软雅黑" pitchFamily="34" charset="-122"/>
                 <a:ea typeface="微软雅黑" pitchFamily="34" charset="-122"/>
               </a:rPr>
-              <a:t>分类</a:t>
-            </a:r>
-            <a:r>
-              <a:rPr lang="zh-CN" altLang="en-US" sz="4800" b="1" dirty="0" smtClean="0">
-                <a:latin typeface="微软雅黑" pitchFamily="34" charset="-122"/>
-                <a:ea typeface="微软雅黑" pitchFamily="34" charset="-122"/>
-              </a:rPr>
-              <a:t>页面</a:t>
+              <a:t>分类页面</a:t>
             </a:r>
             <a:endParaRPr lang="zh-CN" altLang="en-US" sz="4800" b="1" dirty="0">
               <a:latin typeface="微软雅黑" pitchFamily="34" charset="-122"/>
@@ -9954,14 +9867,7 @@
                 <a:latin typeface="微软雅黑" pitchFamily="34" charset="-122"/>
                 <a:ea typeface="微软雅黑" pitchFamily="34" charset="-122"/>
               </a:rPr>
-              <a:t>分类</a:t>
-            </a:r>
-            <a:r>
-              <a:rPr lang="zh-CN" altLang="en-US" sz="4800" b="1" dirty="0" smtClean="0">
-                <a:latin typeface="微软雅黑" pitchFamily="34" charset="-122"/>
-                <a:ea typeface="微软雅黑" pitchFamily="34" charset="-122"/>
-              </a:rPr>
-              <a:t>页面</a:t>
+              <a:t>分类页面</a:t>
             </a:r>
             <a:endParaRPr lang="zh-CN" altLang="en-US" sz="4800" b="1" dirty="0">
               <a:latin typeface="微软雅黑" pitchFamily="34" charset="-122"/>
@@ -10163,14 +10069,7 @@
                 <a:latin typeface="微软雅黑" pitchFamily="34" charset="-122"/>
                 <a:ea typeface="微软雅黑" pitchFamily="34" charset="-122"/>
               </a:rPr>
-              <a:t>搜索</a:t>
-            </a:r>
-            <a:r>
-              <a:rPr lang="zh-CN" altLang="en-US" sz="4800" b="1" dirty="0" smtClean="0">
-                <a:latin typeface="微软雅黑" pitchFamily="34" charset="-122"/>
-                <a:ea typeface="微软雅黑" pitchFamily="34" charset="-122"/>
-              </a:rPr>
-              <a:t>页面</a:t>
+              <a:t>搜索页面</a:t>
             </a:r>
             <a:endParaRPr lang="zh-CN" altLang="en-US" sz="4800" b="1" dirty="0">
               <a:latin typeface="微软雅黑" pitchFamily="34" charset="-122"/>
@@ -10251,14 +10150,7 @@
                 <a:latin typeface="微软雅黑" pitchFamily="34" charset="-122"/>
                 <a:ea typeface="微软雅黑" pitchFamily="34" charset="-122"/>
               </a:rPr>
-              <a:t>搜索栏</a:t>
-            </a:r>
-            <a:r>
-              <a:rPr lang="zh-CN" altLang="en-US" sz="3200" dirty="0" smtClean="0">
-                <a:latin typeface="微软雅黑" pitchFamily="34" charset="-122"/>
-                <a:ea typeface="微软雅黑" pitchFamily="34" charset="-122"/>
-              </a:rPr>
-              <a:t>在页面顶部，输入关键字并点击搜索：</a:t>
+              <a:t>搜索栏在页面顶部，输入关键字并点击搜索：</a:t>
             </a:r>
             <a:endParaRPr lang="en-US" altLang="zh-CN" sz="3200" dirty="0" smtClean="0">
               <a:latin typeface="微软雅黑" pitchFamily="34" charset="-122"/>
@@ -10351,14 +10243,7 @@
                 <a:latin typeface="微软雅黑" pitchFamily="34" charset="-122"/>
                 <a:ea typeface="微软雅黑" pitchFamily="34" charset="-122"/>
               </a:rPr>
-              <a:t>搜索</a:t>
-            </a:r>
-            <a:r>
-              <a:rPr lang="zh-CN" altLang="en-US" sz="4800" b="1" dirty="0" smtClean="0">
-                <a:latin typeface="微软雅黑" pitchFamily="34" charset="-122"/>
-                <a:ea typeface="微软雅黑" pitchFamily="34" charset="-122"/>
-              </a:rPr>
-              <a:t>页面</a:t>
+              <a:t>搜索页面</a:t>
             </a:r>
             <a:endParaRPr lang="zh-CN" altLang="en-US" sz="4800" b="1" dirty="0">
               <a:latin typeface="微软雅黑" pitchFamily="34" charset="-122"/>
